--- a/first/webgl第一次作业.pptx
+++ b/first/webgl第一次作业.pptx
@@ -423,7 +423,7 @@
           <a:p>
             <a:fld id="{5A79D0B2-6D8E-4FE4-8EAE-1B32E142ACB2}" type="datetimeFigureOut">
               <a:rPr lang="zh-CN" altLang="en-US" smtClean="0"/>
-              <a:t>2019/10/16</a:t>
+              <a:t>2019/11/7</a:t>
             </a:fld>
             <a:endParaRPr lang="zh-CN" altLang="en-US"/>
           </a:p>
@@ -2013,7 +2013,7 @@
           <a:p>
             <a:fld id="{E3134A03-34AB-43E4-9153-F3913F13D8E3}" type="datetimeFigureOut">
               <a:rPr lang="zh-CN" altLang="en-US" smtClean="0"/>
-              <a:t>2019/10/16</a:t>
+              <a:t>2019/11/7</a:t>
             </a:fld>
             <a:endParaRPr lang="zh-CN" altLang="en-US"/>
           </a:p>
@@ -2223,7 +2223,7 @@
           <a:p>
             <a:fld id="{E3134A03-34AB-43E4-9153-F3913F13D8E3}" type="datetimeFigureOut">
               <a:rPr lang="zh-CN" altLang="en-US" smtClean="0"/>
-              <a:t>2019/10/16</a:t>
+              <a:t>2019/11/7</a:t>
             </a:fld>
             <a:endParaRPr lang="zh-CN" altLang="en-US"/>
           </a:p>
@@ -2443,7 +2443,7 @@
           <a:p>
             <a:fld id="{E3134A03-34AB-43E4-9153-F3913F13D8E3}" type="datetimeFigureOut">
               <a:rPr lang="zh-CN" altLang="en-US" smtClean="0"/>
-              <a:t>2019/10/16</a:t>
+              <a:t>2019/11/7</a:t>
             </a:fld>
             <a:endParaRPr lang="zh-CN" altLang="en-US"/>
           </a:p>
@@ -2653,7 +2653,7 @@
           <a:p>
             <a:fld id="{E3134A03-34AB-43E4-9153-F3913F13D8E3}" type="datetimeFigureOut">
               <a:rPr lang="zh-CN" altLang="en-US" smtClean="0"/>
-              <a:t>2019/10/16</a:t>
+              <a:t>2019/11/7</a:t>
             </a:fld>
             <a:endParaRPr lang="zh-CN" altLang="en-US"/>
           </a:p>
@@ -2940,7 +2940,7 @@
           <a:p>
             <a:fld id="{E3134A03-34AB-43E4-9153-F3913F13D8E3}" type="datetimeFigureOut">
               <a:rPr lang="zh-CN" altLang="en-US" smtClean="0"/>
-              <a:t>2019/10/16</a:t>
+              <a:t>2019/11/7</a:t>
             </a:fld>
             <a:endParaRPr lang="zh-CN" altLang="en-US"/>
           </a:p>
@@ -3217,7 +3217,7 @@
           <a:p>
             <a:fld id="{E3134A03-34AB-43E4-9153-F3913F13D8E3}" type="datetimeFigureOut">
               <a:rPr lang="zh-CN" altLang="en-US" smtClean="0"/>
-              <a:t>2019/10/16</a:t>
+              <a:t>2019/11/7</a:t>
             </a:fld>
             <a:endParaRPr lang="zh-CN" altLang="en-US"/>
           </a:p>
@@ -3641,7 +3641,7 @@
           <a:p>
             <a:fld id="{E3134A03-34AB-43E4-9153-F3913F13D8E3}" type="datetimeFigureOut">
               <a:rPr lang="zh-CN" altLang="en-US" smtClean="0"/>
-              <a:t>2019/10/16</a:t>
+              <a:t>2019/11/7</a:t>
             </a:fld>
             <a:endParaRPr lang="zh-CN" altLang="en-US"/>
           </a:p>
@@ -3794,7 +3794,7 @@
           <a:p>
             <a:fld id="{E3134A03-34AB-43E4-9153-F3913F13D8E3}" type="datetimeFigureOut">
               <a:rPr lang="zh-CN" altLang="en-US" smtClean="0"/>
-              <a:t>2019/10/16</a:t>
+              <a:t>2019/11/7</a:t>
             </a:fld>
             <a:endParaRPr lang="zh-CN" altLang="en-US"/>
           </a:p>
@@ -3919,7 +3919,7 @@
           <a:p>
             <a:fld id="{E3134A03-34AB-43E4-9153-F3913F13D8E3}" type="datetimeFigureOut">
               <a:rPr lang="zh-CN" altLang="en-US" smtClean="0"/>
-              <a:t>2019/10/16</a:t>
+              <a:t>2019/11/7</a:t>
             </a:fld>
             <a:endParaRPr lang="zh-CN" altLang="en-US"/>
           </a:p>
@@ -4242,7 +4242,7 @@
           <a:p>
             <a:fld id="{E3134A03-34AB-43E4-9153-F3913F13D8E3}" type="datetimeFigureOut">
               <a:rPr lang="zh-CN" altLang="en-US" smtClean="0"/>
-              <a:t>2019/10/16</a:t>
+              <a:t>2019/11/7</a:t>
             </a:fld>
             <a:endParaRPr lang="zh-CN" altLang="en-US"/>
           </a:p>
@@ -4542,7 +4542,7 @@
           <a:p>
             <a:fld id="{E3134A03-34AB-43E4-9153-F3913F13D8E3}" type="datetimeFigureOut">
               <a:rPr lang="zh-CN" altLang="en-US" smtClean="0"/>
-              <a:t>2019/10/16</a:t>
+              <a:t>2019/11/7</a:t>
             </a:fld>
             <a:endParaRPr lang="zh-CN" altLang="en-US"/>
           </a:p>
@@ -4795,7 +4795,7 @@
           <a:p>
             <a:fld id="{E3134A03-34AB-43E4-9153-F3913F13D8E3}" type="datetimeFigureOut">
               <a:rPr lang="zh-CN" altLang="en-US" smtClean="0"/>
-              <a:t>2019/10/16</a:t>
+              <a:t>2019/11/7</a:t>
             </a:fld>
             <a:endParaRPr lang="zh-CN" altLang="en-US"/>
           </a:p>
@@ -16087,7 +16087,7 @@
             <a:p>
               <a:pPr algn="l"/>
               <a:r>
-                <a:rPr lang="zh-CN" altLang="en-US" sz="2400" dirty="0">
+                <a:rPr lang="zh-CN" altLang="en-US" sz="2400" dirty="0" smtClean="0">
                   <a:solidFill>
                     <a:schemeClr val="tx1">
                       <a:lumMod val="75000"/>
@@ -16099,7 +16099,7 @@
                   <a:cs typeface="+mn-ea"/>
                   <a:sym typeface="+mn-lt"/>
                 </a:rPr>
-                <a:t>收获</a:t>
+                <a:t>可以改进的地方</a:t>
               </a:r>
               <a:endParaRPr lang="en-US" altLang="zh-CN" sz="1400" dirty="0">
                 <a:solidFill>
@@ -16396,7 +16396,7 @@
                   <a:cs typeface="+mn-ea"/>
                   <a:sym typeface="+mn-lt"/>
                 </a:rPr>
-                <a:t>可以改进的地方</a:t>
+                <a:t>收获</a:t>
               </a:r>
               <a:endParaRPr lang="en-US" altLang="zh-CN" sz="2400" dirty="0">
                 <a:solidFill>
